--- a/Docs/TIU_Tracking_Poster_v3.pptx
+++ b/Docs/TIU_Tracking_Poster_v3.pptx
@@ -4080,7 +4080,7 @@
             <a:fld id="{CFC2CE3F-1D0C-4868-9201-9CC45E6C1390}" type="datetimeFigureOut">
               <a:rPr lang="en-US" smtClean="0"/>
               <a:pPr/>
-              <a:t>5/17/2011</a:t>
+              <a:t>5/16/2011</a:t>
             </a:fld>
             <a:endParaRPr lang="en-US" dirty="0"/>
           </a:p>
@@ -4247,7 +4247,7 @@
             <a:fld id="{CFC2CE3F-1D0C-4868-9201-9CC45E6C1390}" type="datetimeFigureOut">
               <a:rPr lang="en-US" smtClean="0"/>
               <a:pPr/>
-              <a:t>5/17/2011</a:t>
+              <a:t>5/16/2011</a:t>
             </a:fld>
             <a:endParaRPr lang="en-US" dirty="0"/>
           </a:p>
@@ -4424,7 +4424,7 @@
             <a:fld id="{CFC2CE3F-1D0C-4868-9201-9CC45E6C1390}" type="datetimeFigureOut">
               <a:rPr lang="en-US" smtClean="0"/>
               <a:pPr/>
-              <a:t>5/17/2011</a:t>
+              <a:t>5/16/2011</a:t>
             </a:fld>
             <a:endParaRPr lang="en-US" dirty="0"/>
           </a:p>
@@ -4591,7 +4591,7 @@
             <a:fld id="{CFC2CE3F-1D0C-4868-9201-9CC45E6C1390}" type="datetimeFigureOut">
               <a:rPr lang="en-US" smtClean="0"/>
               <a:pPr/>
-              <a:t>5/17/2011</a:t>
+              <a:t>5/16/2011</a:t>
             </a:fld>
             <a:endParaRPr lang="en-US" dirty="0"/>
           </a:p>
@@ -4834,7 +4834,7 @@
             <a:fld id="{CFC2CE3F-1D0C-4868-9201-9CC45E6C1390}" type="datetimeFigureOut">
               <a:rPr lang="en-US" smtClean="0"/>
               <a:pPr/>
-              <a:t>5/17/2011</a:t>
+              <a:t>5/16/2011</a:t>
             </a:fld>
             <a:endParaRPr lang="en-US" dirty="0"/>
           </a:p>
@@ -5119,7 +5119,7 @@
             <a:fld id="{CFC2CE3F-1D0C-4868-9201-9CC45E6C1390}" type="datetimeFigureOut">
               <a:rPr lang="en-US" smtClean="0"/>
               <a:pPr/>
-              <a:t>5/17/2011</a:t>
+              <a:t>5/16/2011</a:t>
             </a:fld>
             <a:endParaRPr lang="en-US" dirty="0"/>
           </a:p>
@@ -5538,7 +5538,7 @@
             <a:fld id="{CFC2CE3F-1D0C-4868-9201-9CC45E6C1390}" type="datetimeFigureOut">
               <a:rPr lang="en-US" smtClean="0"/>
               <a:pPr/>
-              <a:t>5/17/2011</a:t>
+              <a:t>5/16/2011</a:t>
             </a:fld>
             <a:endParaRPr lang="en-US" dirty="0"/>
           </a:p>
@@ -5653,7 +5653,7 @@
             <a:fld id="{CFC2CE3F-1D0C-4868-9201-9CC45E6C1390}" type="datetimeFigureOut">
               <a:rPr lang="en-US" smtClean="0"/>
               <a:pPr/>
-              <a:t>5/17/2011</a:t>
+              <a:t>5/16/2011</a:t>
             </a:fld>
             <a:endParaRPr lang="en-US" dirty="0"/>
           </a:p>
@@ -5745,7 +5745,7 @@
             <a:fld id="{CFC2CE3F-1D0C-4868-9201-9CC45E6C1390}" type="datetimeFigureOut">
               <a:rPr lang="en-US" smtClean="0"/>
               <a:pPr/>
-              <a:t>5/17/2011</a:t>
+              <a:t>5/16/2011</a:t>
             </a:fld>
             <a:endParaRPr lang="en-US" dirty="0"/>
           </a:p>
@@ -6019,7 +6019,7 @@
             <a:fld id="{CFC2CE3F-1D0C-4868-9201-9CC45E6C1390}" type="datetimeFigureOut">
               <a:rPr lang="en-US" smtClean="0"/>
               <a:pPr/>
-              <a:t>5/17/2011</a:t>
+              <a:t>5/16/2011</a:t>
             </a:fld>
             <a:endParaRPr lang="en-US" dirty="0"/>
           </a:p>
@@ -6269,7 +6269,7 @@
             <a:fld id="{CFC2CE3F-1D0C-4868-9201-9CC45E6C1390}" type="datetimeFigureOut">
               <a:rPr lang="en-US" smtClean="0"/>
               <a:pPr/>
-              <a:t>5/17/2011</a:t>
+              <a:t>5/16/2011</a:t>
             </a:fld>
             <a:endParaRPr lang="en-US" dirty="0"/>
           </a:p>
@@ -6479,7 +6479,7 @@
             <a:fld id="{CFC2CE3F-1D0C-4868-9201-9CC45E6C1390}" type="datetimeFigureOut">
               <a:rPr lang="en-US" smtClean="0"/>
               <a:pPr/>
-              <a:t>5/17/2011</a:t>
+              <a:t>5/16/2011</a:t>
             </a:fld>
             <a:endParaRPr lang="en-US" dirty="0"/>
           </a:p>
@@ -7076,7 +7076,14 @@
                 <a:ea typeface="Ebrima" pitchFamily="2" charset="0"/>
                 <a:cs typeface="Ebrima" pitchFamily="2" charset="0"/>
               </a:rPr>
-              <a:t>This system uses an RF transceiver network to track mobile assets indoors, where more obvious solutions, such as GPS, are unable to function. The system determines an asset’s current location by matching the RF fingerprint of its periodic broadcasts with previously collected fingerprints stored in a database.</a:t>
+              <a:t>This system uses an RF transceiver network to track mobile assets indoors, where more obvious solutions, such as GPS, are unable to function. The system determines an asset’s current location by matching the RF fingerprint of its periodic broadcasts with previously collected fingerprints stored in a </a:t>
+            </a:r>
+            <a:r>
+              <a:rPr lang="en-US" sz="4000" dirty="0" smtClean="0">
+                <a:ea typeface="Ebrima" pitchFamily="2" charset="0"/>
+                <a:cs typeface="Ebrima" pitchFamily="2" charset="0"/>
+              </a:rPr>
+              <a:t>database.</a:t>
             </a:r>
           </a:p>
         </p:txBody>
@@ -7941,7 +7948,14 @@
                 <a:ea typeface="Ebrima" pitchFamily="2" charset="0"/>
                 <a:cs typeface="Ebrima" pitchFamily="2" charset="0"/>
               </a:rPr>
-              <a:t>Asset tag’s size: 1” x 1” x 1” </a:t>
+              <a:t>Asset </a:t>
+            </a:r>
+            <a:r>
+              <a:rPr lang="en-US" sz="4000" dirty="0" smtClean="0">
+                <a:ea typeface="Ebrima" pitchFamily="2" charset="0"/>
+                <a:cs typeface="Ebrima" pitchFamily="2" charset="0"/>
+              </a:rPr>
+              <a:t>tag’s size: 1” x 1” x 1” </a:t>
             </a:r>
           </a:p>
           <a:p>
@@ -8032,8 +8046,19 @@
                 <a:ea typeface="Ebrima" pitchFamily="2" charset="0"/>
                 <a:cs typeface="Ebrima" pitchFamily="2" charset="0"/>
               </a:rPr>
-              <a:t> Low cost solution</a:t>
+              <a:t> Low cost </a:t>
             </a:r>
+            <a:r>
+              <a:rPr lang="en-US" sz="4000" dirty="0" smtClean="0">
+                <a:ea typeface="Ebrima" pitchFamily="2" charset="0"/>
+                <a:cs typeface="Ebrima" pitchFamily="2" charset="0"/>
+              </a:rPr>
+              <a:t>solution</a:t>
+            </a:r>
+            <a:endParaRPr lang="en-US" sz="4000" dirty="0" smtClean="0">
+              <a:ea typeface="Ebrima" pitchFamily="2" charset="0"/>
+              <a:cs typeface="Ebrima" pitchFamily="2" charset="0"/>
+            </a:endParaRPr>
           </a:p>
         </p:txBody>
       </p:sp>
@@ -8333,7 +8358,14 @@
                   <a:ea typeface="Ebrima" pitchFamily="2" charset="0"/>
                   <a:cs typeface="Ebrima" pitchFamily="2" charset="0"/>
                 </a:rPr>
-                <a:t> Low cost</a:t>
+                <a:t> </a:t>
+              </a:r>
+              <a:r>
+                <a:rPr lang="en-US" sz="4000" dirty="0" smtClean="0">
+                  <a:ea typeface="Ebrima" pitchFamily="2" charset="0"/>
+                  <a:cs typeface="Ebrima" pitchFamily="2" charset="0"/>
+                </a:rPr>
+                <a:t>Low cost</a:t>
               </a:r>
             </a:p>
             <a:p>
@@ -8372,8 +8404,19 @@
                   <a:ea typeface="Ebrima" pitchFamily="2" charset="0"/>
                   <a:cs typeface="Ebrima" pitchFamily="2" charset="0"/>
                 </a:rPr>
-                <a:t> Low power consumption</a:t>
+                <a:t> Low power </a:t>
               </a:r>
+              <a:r>
+                <a:rPr lang="en-US" sz="4000" dirty="0" smtClean="0">
+                  <a:ea typeface="Ebrima" pitchFamily="2" charset="0"/>
+                  <a:cs typeface="Ebrima" pitchFamily="2" charset="0"/>
+                </a:rPr>
+                <a:t>consumption</a:t>
+              </a:r>
+              <a:endParaRPr lang="en-US" sz="4000" dirty="0" smtClean="0">
+                <a:ea typeface="Ebrima" pitchFamily="2" charset="0"/>
+                <a:cs typeface="Ebrima" pitchFamily="2" charset="0"/>
+              </a:endParaRPr>
             </a:p>
             <a:p>
               <a:pPr lvl="0">
@@ -8524,7 +8567,7 @@
             <p:nvPr/>
           </p:nvPicPr>
           <p:blipFill>
-            <a:blip r:embed="rId19" cstate="print"/>
+            <a:blip r:embed="rId20" cstate="print"/>
             <a:srcRect/>
             <a:stretch>
               <a:fillRect/>
@@ -8550,7 +8593,7 @@
             <p:nvPr/>
           </p:nvPicPr>
           <p:blipFill>
-            <a:blip r:embed="rId20" cstate="print"/>
+            <a:blip r:embed="rId21" cstate="print"/>
             <a:srcRect/>
             <a:stretch>
               <a:fillRect/>
@@ -8912,7 +8955,7 @@
               <p:nvPr/>
             </p:nvPicPr>
             <p:blipFill>
-              <a:blip r:embed="rId21" cstate="print"/>
+              <a:blip r:embed="rId22" cstate="print"/>
               <a:stretch>
                 <a:fillRect/>
               </a:stretch>
@@ -9044,7 +9087,7 @@
             <p:nvPr/>
           </p:nvPicPr>
           <p:blipFill>
-            <a:blip r:embed="rId22" cstate="print"/>
+            <a:blip r:embed="rId23" cstate="print"/>
             <a:srcRect/>
             <a:stretch>
               <a:fillRect/>
@@ -9167,7 +9210,7 @@
               <p:nvPr/>
             </p:nvPicPr>
             <p:blipFill>
-              <a:blip r:embed="rId23" cstate="print">
+              <a:blip r:embed="rId24" cstate="print">
                 <a:duotone>
                   <a:prstClr val="black"/>
                   <a:schemeClr val="accent1">
@@ -9250,7 +9293,7 @@
               <p:nvPr/>
             </p:nvPicPr>
             <p:blipFill>
-              <a:blip r:embed="rId24" cstate="print"/>
+              <a:blip r:embed="rId25" cstate="print"/>
               <a:stretch>
                 <a:fillRect/>
               </a:stretch>
@@ -9421,7 +9464,7 @@
               <p:nvPr/>
             </p:nvPicPr>
             <p:blipFill>
-              <a:blip r:embed="rId25" cstate="print">
+              <a:blip r:embed="rId26" cstate="print">
                 <a:clrChange>
                   <a:clrFrom>
                     <a:srgbClr val="FFFFFF"/>
@@ -9487,7 +9530,7 @@
                 <p:nvPr/>
               </p:nvPicPr>
               <p:blipFill>
-                <a:blip r:embed="rId26" cstate="print"/>
+                <a:blip r:embed="rId27" cstate="print"/>
                 <a:stretch>
                   <a:fillRect/>
                 </a:stretch>
@@ -9554,7 +9597,7 @@
               <p:nvPr/>
             </p:nvPicPr>
             <p:blipFill>
-              <a:blip r:embed="rId25" cstate="print">
+              <a:blip r:embed="rId26" cstate="print">
                 <a:clrChange>
                   <a:clrFrom>
                     <a:srgbClr val="FFFFFF"/>
@@ -9591,7 +9634,7 @@
               <p:nvPr/>
             </p:nvPicPr>
             <p:blipFill>
-              <a:blip r:embed="rId25" cstate="print">
+              <a:blip r:embed="rId26" cstate="print">
                 <a:clrChange>
                   <a:clrFrom>
                     <a:srgbClr val="FFFFFF"/>
@@ -9628,7 +9671,7 @@
               <p:nvPr/>
             </p:nvPicPr>
             <p:blipFill>
-              <a:blip r:embed="rId25" cstate="print">
+              <a:blip r:embed="rId26" cstate="print">
                 <a:clrChange>
                   <a:clrFrom>
                     <a:srgbClr val="FFFFFF"/>
@@ -9834,7 +9877,7 @@
             <p:nvPr/>
           </p:nvPicPr>
           <p:blipFill>
-            <a:blip r:embed="rId27" cstate="print"/>
+            <a:blip r:embed="rId28" cstate="print"/>
             <a:srcRect/>
             <a:stretch>
               <a:fillRect/>
@@ -9860,7 +9903,7 @@
             <p:nvPr/>
           </p:nvPicPr>
           <p:blipFill>
-            <a:blip r:embed="rId28" cstate="print"/>
+            <a:blip r:embed="rId29" cstate="print"/>
             <a:srcRect/>
             <a:stretch>
               <a:fillRect/>
@@ -9886,7 +9929,7 @@
             <p:nvPr/>
           </p:nvPicPr>
           <p:blipFill>
-            <a:blip r:embed="rId29" cstate="print"/>
+            <a:blip r:embed="rId30" cstate="print"/>
             <a:srcRect/>
             <a:stretch>
               <a:fillRect/>
@@ -9912,7 +9955,7 @@
             <p:nvPr/>
           </p:nvPicPr>
           <p:blipFill>
-            <a:blip r:embed="rId30" cstate="print">
+            <a:blip r:embed="rId31" cstate="print">
               <a:clrChange>
                 <a:clrFrom>
                   <a:srgbClr val="F4FCFF"/>
@@ -9949,7 +9992,21 @@
             <p:nvPr/>
           </p:nvPicPr>
           <p:blipFill>
-            <a:blip r:embed="rId31" cstate="print"/>
+            <a:blip r:embed="rId32" cstate="print">
+              <a:clrChange>
+                <a:clrFrom>
+                  <a:srgbClr val="000000">
+                    <a:alpha val="0"/>
+                  </a:srgbClr>
+                </a:clrFrom>
+                <a:clrTo>
+                  <a:srgbClr val="000000">
+                    <a:alpha val="0"/>
+                  </a:srgbClr>
+                </a:clrTo>
+              </a:clrChange>
+            </a:blip>
+            <a:srcRect/>
             <a:stretch>
               <a:fillRect/>
             </a:stretch>
@@ -9957,7 +10014,7 @@
           <p:spPr bwMode="auto">
             <a:xfrm>
               <a:off x="32744824" y="13883641"/>
-              <a:ext cx="2002376" cy="1566921"/>
+              <a:ext cx="2002376" cy="1566922"/>
             </a:xfrm>
             <a:prstGeom prst="rect">
               <a:avLst/>
@@ -10222,8 +10279,19 @@
                   <a:ea typeface="Ebrima" pitchFamily="2" charset="0"/>
                   <a:cs typeface="Ebrima" pitchFamily="2" charset="0"/>
                 </a:rPr>
-                <a:t> Written in Java</a:t>
+                <a:t> </a:t>
               </a:r>
+              <a:r>
+                <a:rPr lang="en-US" sz="2400" dirty="0" smtClean="0">
+                  <a:ea typeface="Ebrima" pitchFamily="2" charset="0"/>
+                  <a:cs typeface="Ebrima" pitchFamily="2" charset="0"/>
+                </a:rPr>
+                <a:t>Written in Java</a:t>
+              </a:r>
+              <a:endParaRPr lang="en-US" sz="2400" dirty="0" smtClean="0">
+                <a:ea typeface="Ebrima" pitchFamily="2" charset="0"/>
+                <a:cs typeface="Ebrima" pitchFamily="2" charset="0"/>
+              </a:endParaRPr>
             </a:p>
             <a:p>
               <a:pPr>
@@ -10555,7 +10623,7 @@
             <a:avLst/>
           </a:prstGeom>
           <a:blipFill dpi="0" rotWithShape="1">
-            <a:blip r:embed="rId32" cstate="print"/>
+            <a:blip r:embed="rId33" cstate="print"/>
             <a:srcRect/>
             <a:stretch>
               <a:fillRect t="15000" r="78000" b="10000"/>
@@ -10682,7 +10750,7 @@
         </p:xfrm>
         <a:graphic>
           <a:graphicData uri="http://schemas.openxmlformats.org/presentationml/2006/ole">
-            <p:oleObj spid="_x0000_s1026" name="Equation" r:id="rId33" imgW="3848040" imgH="558720" progId="Equation.3">
+            <p:oleObj spid="_x0000_s1026" name="Equation" r:id="rId34" imgW="3848040" imgH="558720" progId="Equation.3">
               <p:embed/>
             </p:oleObj>
           </a:graphicData>
@@ -10703,7 +10771,7 @@
             <a:avLst/>
           </a:prstGeom>
           <a:blipFill dpi="0" rotWithShape="1">
-            <a:blip r:embed="rId34" cstate="print"/>
+            <a:blip r:embed="rId35" cstate="print"/>
             <a:srcRect/>
             <a:stretch>
               <a:fillRect t="12000" r="80000" b="10000"/>
@@ -10858,15 +10926,16 @@
           <p:nvPr/>
         </p:nvPicPr>
         <p:blipFill>
-          <a:blip r:embed="rId35" cstate="print"/>
+          <a:blip r:embed="rId36" cstate="print"/>
+          <a:srcRect/>
           <a:stretch>
             <a:fillRect/>
           </a:stretch>
         </p:blipFill>
         <p:spPr bwMode="auto">
           <a:xfrm>
-            <a:off x="27203400" y="10771298"/>
-            <a:ext cx="3505200" cy="1131144"/>
+            <a:off x="26912567" y="11090093"/>
+            <a:ext cx="3746828" cy="812348"/>
           </a:xfrm>
           <a:prstGeom prst="rect">
             <a:avLst/>
